--- a/ch02/原样返回消息.pptx
+++ b/ch02/原样返回消息.pptx
@@ -6,7 +6,8 @@
   </p:sldMasterIdLst>
   <p:sldIdLst>
     <p:sldId id="256" r:id="rId3"/>
-    <p:sldId id="257" r:id="rId4"/>
+    <p:sldId id="258" r:id="rId4"/>
+    <p:sldId id="257" r:id="rId5"/>
   </p:sldIdLst>
   <p:sldSz cx="12192000" cy="6858000"/>
   <p:notesSz cx="6858000" cy="9144000"/>
@@ -2931,7 +2932,7 @@
           <a:p>
             <a:r>
               <a:rPr lang="zh-CN" altLang="en-US" sz="4000"/>
-              <a:t>原样返回用户消息</a:t>
+              <a:t>消息回复</a:t>
             </a:r>
             <a:endParaRPr lang="zh-CN" altLang="en-US" sz="4000"/>
           </a:p>
@@ -2946,6 +2947,130 @@
 </file>
 
 <file path=ppt/slides/slide2.xml><?xml version="1.0" encoding="utf-8"?>
+<p:sld xmlns:a="http://schemas.openxmlformats.org/drawingml/2006/main" xmlns:r="http://schemas.openxmlformats.org/officeDocument/2006/relationships" xmlns:p="http://schemas.openxmlformats.org/presentationml/2006/main">
+  <p:cSld>
+    <p:spTree>
+      <p:nvGrpSpPr>
+        <p:cNvPr id="1" name=""/>
+        <p:cNvGrpSpPr/>
+        <p:nvPr/>
+      </p:nvGrpSpPr>
+      <p:grpSpPr/>
+      <p:sp>
+        <p:nvSpPr>
+          <p:cNvPr id="2" name="标题 1"/>
+          <p:cNvSpPr>
+            <a:spLocks noGrp="1"/>
+          </p:cNvSpPr>
+          <p:nvPr>
+            <p:ph type="title"/>
+          </p:nvPr>
+        </p:nvSpPr>
+        <p:spPr>
+          <a:xfrm>
+            <a:off x="838200" y="365125"/>
+            <a:ext cx="10515600" cy="846455"/>
+          </a:xfrm>
+        </p:spPr>
+        <p:txBody>
+          <a:bodyPr/>
+          <a:p>
+            <a:r>
+              <a:rPr lang="en-US" altLang="zh-CN" sz="3600"/>
+              <a:t>XML</a:t>
+            </a:r>
+            <a:r>
+              <a:rPr lang="zh-CN" altLang="en-US" sz="3600"/>
+              <a:t>与转发消息</a:t>
+            </a:r>
+            <a:endParaRPr lang="zh-CN" altLang="en-US" sz="3600"/>
+          </a:p>
+        </p:txBody>
+      </p:sp>
+      <p:sp>
+        <p:nvSpPr>
+          <p:cNvPr id="3" name="内容占位符 2"/>
+          <p:cNvSpPr>
+            <a:spLocks noGrp="1"/>
+          </p:cNvSpPr>
+          <p:nvPr>
+            <p:ph idx="1"/>
+          </p:nvPr>
+        </p:nvSpPr>
+        <p:spPr>
+          <a:xfrm>
+            <a:off x="838200" y="1325880"/>
+            <a:ext cx="10515600" cy="4851400"/>
+          </a:xfrm>
+        </p:spPr>
+        <p:txBody>
+          <a:bodyPr/>
+          <a:p>
+            <a:r>
+              <a:rPr lang="zh-CN" altLang="en-US"/>
+              <a:t>微信服务器使用</a:t>
+            </a:r>
+            <a:r>
+              <a:rPr lang="en-US" altLang="zh-CN"/>
+              <a:t>XML</a:t>
+            </a:r>
+            <a:r>
+              <a:rPr lang="zh-CN" altLang="en-US"/>
+              <a:t>格式</a:t>
+            </a:r>
+            <a:r>
+              <a:rPr lang="zh-CN" altLang="en-US"/>
+              <a:t>转发用户消息与事件消息到开发者服务器。</a:t>
+            </a:r>
+            <a:endParaRPr lang="zh-CN" altLang="en-US"/>
+          </a:p>
+          <a:p>
+            <a:endParaRPr lang="zh-CN" altLang="en-US"/>
+          </a:p>
+          <a:p>
+            <a:r>
+              <a:rPr lang="zh-CN" altLang="en-US"/>
+              <a:t>开发者服务器要返回</a:t>
+            </a:r>
+            <a:r>
+              <a:rPr lang="en-US" altLang="zh-CN"/>
+              <a:t>XML</a:t>
+            </a:r>
+            <a:r>
+              <a:rPr lang="zh-CN" altLang="en-US"/>
+              <a:t>格式的消息。</a:t>
+            </a:r>
+            <a:endParaRPr lang="zh-CN" altLang="en-US"/>
+          </a:p>
+          <a:p>
+            <a:endParaRPr lang="zh-CN" altLang="en-US"/>
+          </a:p>
+          <a:p>
+            <a:r>
+              <a:rPr lang="zh-CN" altLang="en-US"/>
+              <a:t>如果开发者在某些情况下不需要回复消息，则要返回空字符串或</a:t>
+            </a:r>
+            <a:r>
+              <a:rPr lang="en-US" altLang="zh-CN"/>
+              <a:t>success</a:t>
+            </a:r>
+            <a:r>
+              <a:rPr lang="zh-CN" altLang="en-US"/>
+              <a:t>字符串。</a:t>
+            </a:r>
+            <a:endParaRPr lang="en-US" altLang="zh-CN"/>
+          </a:p>
+        </p:txBody>
+      </p:sp>
+    </p:spTree>
+  </p:cSld>
+  <p:clrMapOvr>
+    <a:masterClrMapping/>
+  </p:clrMapOvr>
+</p:sld>
+</file>
+
+<file path=ppt/slides/slide3.xml><?xml version="1.0" encoding="utf-8"?>
 <p:sld xmlns:a="http://schemas.openxmlformats.org/drawingml/2006/main" xmlns:r="http://schemas.openxmlformats.org/officeDocument/2006/relationships" xmlns:p="http://schemas.openxmlformats.org/presentationml/2006/main">
   <p:cSld>
     <p:spTree>

--- a/ch02/原样返回消息.pptx
+++ b/ch02/原样返回消息.pptx
@@ -8,6 +8,7 @@
     <p:sldId id="256" r:id="rId3"/>
     <p:sldId id="258" r:id="rId4"/>
     <p:sldId id="257" r:id="rId5"/>
+    <p:sldId id="260" r:id="rId6"/>
   </p:sldIdLst>
   <p:sldSz cx="12192000" cy="6858000"/>
   <p:notesSz cx="6858000" cy="9144000"/>
@@ -3007,58 +3008,54 @@
           <a:bodyPr/>
           <a:p>
             <a:r>
-              <a:rPr lang="zh-CN" altLang="en-US"/>
+              <a:rPr lang="zh-CN" altLang="en-US" sz="2400"/>
               <a:t>微信服务器使用</a:t>
             </a:r>
             <a:r>
-              <a:rPr lang="en-US" altLang="zh-CN"/>
+              <a:rPr lang="en-US" altLang="zh-CN" sz="2400"/>
               <a:t>XML</a:t>
             </a:r>
             <a:r>
-              <a:rPr lang="zh-CN" altLang="en-US"/>
-              <a:t>格式</a:t>
-            </a:r>
-            <a:r>
-              <a:rPr lang="zh-CN" altLang="en-US"/>
-              <a:t>转发用户消息与事件消息到开发者服务器。</a:t>
-            </a:r>
-            <a:endParaRPr lang="zh-CN" altLang="en-US"/>
-          </a:p>
-          <a:p>
-            <a:endParaRPr lang="zh-CN" altLang="en-US"/>
-          </a:p>
-          <a:p>
-            <a:r>
-              <a:rPr lang="zh-CN" altLang="en-US"/>
+              <a:rPr lang="zh-CN" altLang="en-US" sz="2400"/>
+              <a:t>格式转发用户消息与事件消息到开发者服务器。</a:t>
+            </a:r>
+            <a:endParaRPr lang="zh-CN" altLang="en-US" sz="2400"/>
+          </a:p>
+          <a:p>
+            <a:endParaRPr lang="zh-CN" altLang="en-US" sz="2400"/>
+          </a:p>
+          <a:p>
+            <a:r>
+              <a:rPr lang="zh-CN" altLang="en-US" sz="2400"/>
               <a:t>开发者服务器要返回</a:t>
             </a:r>
             <a:r>
-              <a:rPr lang="en-US" altLang="zh-CN"/>
+              <a:rPr lang="en-US" altLang="zh-CN" sz="2400"/>
               <a:t>XML</a:t>
             </a:r>
             <a:r>
-              <a:rPr lang="zh-CN" altLang="en-US"/>
+              <a:rPr lang="zh-CN" altLang="en-US" sz="2400"/>
               <a:t>格式的消息。</a:t>
             </a:r>
-            <a:endParaRPr lang="zh-CN" altLang="en-US"/>
-          </a:p>
-          <a:p>
-            <a:endParaRPr lang="zh-CN" altLang="en-US"/>
-          </a:p>
-          <a:p>
-            <a:r>
-              <a:rPr lang="zh-CN" altLang="en-US"/>
+            <a:endParaRPr lang="zh-CN" altLang="en-US" sz="2400"/>
+          </a:p>
+          <a:p>
+            <a:endParaRPr lang="zh-CN" altLang="en-US" sz="2400"/>
+          </a:p>
+          <a:p>
+            <a:r>
+              <a:rPr lang="zh-CN" altLang="en-US" sz="2400"/>
               <a:t>如果开发者在某些情况下不需要回复消息，则要返回空字符串或</a:t>
             </a:r>
             <a:r>
-              <a:rPr lang="en-US" altLang="zh-CN"/>
+              <a:rPr lang="en-US" altLang="zh-CN" sz="2400"/>
               <a:t>success</a:t>
             </a:r>
             <a:r>
-              <a:rPr lang="zh-CN" altLang="en-US"/>
+              <a:rPr lang="zh-CN" altLang="en-US" sz="2400"/>
               <a:t>字符串。</a:t>
             </a:r>
-            <a:endParaRPr lang="en-US" altLang="zh-CN"/>
+            <a:endParaRPr lang="en-US" altLang="zh-CN" sz="2400"/>
           </a:p>
         </p:txBody>
       </p:sp>
@@ -3082,7 +3079,7 @@
       <p:grpSpPr/>
       <p:pic>
         <p:nvPicPr>
-          <p:cNvPr id="4" name="内容占位符 3" descr="消息回复格式"/>
+          <p:cNvPr id="3" name="内容占位符 2" descr="消息回复格式"/>
           <p:cNvPicPr>
             <a:picLocks noChangeAspect="1"/>
           </p:cNvPicPr>
@@ -3098,14 +3095,221 @@
         </p:blipFill>
         <p:spPr>
           <a:xfrm>
-            <a:off x="1252220" y="2540"/>
-            <a:ext cx="9687560" cy="6852285"/>
+            <a:off x="1122045" y="2540"/>
+            <a:ext cx="9970135" cy="6828790"/>
           </a:xfrm>
           <a:prstGeom prst="rect">
             <a:avLst/>
           </a:prstGeom>
         </p:spPr>
       </p:pic>
+    </p:spTree>
+  </p:cSld>
+  <p:clrMapOvr>
+    <a:masterClrMapping/>
+  </p:clrMapOvr>
+</p:sld>
+</file>
+
+<file path=ppt/slides/slide4.xml><?xml version="1.0" encoding="utf-8"?>
+<p:sld xmlns:a="http://schemas.openxmlformats.org/drawingml/2006/main" xmlns:r="http://schemas.openxmlformats.org/officeDocument/2006/relationships" xmlns:p="http://schemas.openxmlformats.org/presentationml/2006/main">
+  <p:cSld>
+    <p:spTree>
+      <p:nvGrpSpPr>
+        <p:cNvPr id="1" name=""/>
+        <p:cNvGrpSpPr/>
+        <p:nvPr/>
+      </p:nvGrpSpPr>
+      <p:grpSpPr/>
+      <p:sp>
+        <p:nvSpPr>
+          <p:cNvPr id="2" name="标题 1"/>
+          <p:cNvSpPr>
+            <a:spLocks noGrp="1"/>
+          </p:cNvSpPr>
+          <p:nvPr>
+            <p:ph type="title"/>
+          </p:nvPr>
+        </p:nvSpPr>
+        <p:spPr>
+          <a:xfrm>
+            <a:off x="838200" y="365125"/>
+            <a:ext cx="10515600" cy="846455"/>
+          </a:xfrm>
+        </p:spPr>
+        <p:txBody>
+          <a:bodyPr/>
+          <a:p>
+            <a:r>
+              <a:rPr lang="zh-CN" altLang="en-US" sz="3600"/>
+              <a:t>原样返回消息</a:t>
+            </a:r>
+            <a:endParaRPr lang="zh-CN" altLang="en-US" sz="3600"/>
+          </a:p>
+        </p:txBody>
+      </p:sp>
+      <p:sp>
+        <p:nvSpPr>
+          <p:cNvPr id="3" name="内容占位符 2"/>
+          <p:cNvSpPr>
+            <a:spLocks noGrp="1"/>
+          </p:cNvSpPr>
+          <p:nvPr>
+            <p:ph idx="1"/>
+          </p:nvPr>
+        </p:nvSpPr>
+        <p:spPr>
+          <a:xfrm>
+            <a:off x="838200" y="1325880"/>
+            <a:ext cx="10515600" cy="4851400"/>
+          </a:xfrm>
+        </p:spPr>
+        <p:txBody>
+          <a:bodyPr/>
+          <a:p>
+            <a:pPr fontAlgn="auto">
+              <a:lnSpc>
+                <a:spcPts val="3280"/>
+              </a:lnSpc>
+            </a:pPr>
+            <a:r>
+              <a:rPr lang="zh-CN" altLang="en-US" sz="2400">
+                <a:solidFill>
+                  <a:schemeClr val="tx1"/>
+                </a:solidFill>
+                <a:uFillTx/>
+                <a:latin typeface="FreeMono" panose="020F0409020205020404" charset="0"/>
+              </a:rPr>
+              <a:t>微信服务器转发消息后，把</a:t>
+            </a:r>
+            <a:r>
+              <a:rPr lang="en-US" altLang="zh-CN" sz="2400">
+                <a:solidFill>
+                  <a:schemeClr val="tx1"/>
+                </a:solidFill>
+                <a:uFillTx/>
+                <a:latin typeface="FreeMono" panose="020F0409020205020404" charset="0"/>
+              </a:rPr>
+              <a:t>ToUserName</a:t>
+            </a:r>
+            <a:r>
+              <a:rPr lang="zh-CN" altLang="en-US" sz="2400">
+                <a:solidFill>
+                  <a:schemeClr val="tx1"/>
+                </a:solidFill>
+                <a:uFillTx/>
+                <a:latin typeface="FreeMono" panose="020F0409020205020404" charset="0"/>
+              </a:rPr>
+              <a:t>与</a:t>
+            </a:r>
+            <a:r>
+              <a:rPr lang="en-US" altLang="zh-CN" sz="2400">
+                <a:solidFill>
+                  <a:schemeClr val="tx1"/>
+                </a:solidFill>
+                <a:uFillTx/>
+                <a:latin typeface="FreeMono" panose="020F0409020205020404" charset="0"/>
+              </a:rPr>
+              <a:t>FromUserName</a:t>
+            </a:r>
+            <a:r>
+              <a:rPr lang="zh-CN" altLang="en-US" sz="2400">
+                <a:solidFill>
+                  <a:schemeClr val="tx1"/>
+                </a:solidFill>
+                <a:uFillTx/>
+                <a:latin typeface="FreeMono" panose="020F0409020205020404" charset="0"/>
+              </a:rPr>
+              <a:t>字段互换，消息内容不变，按照回复消息的</a:t>
+            </a:r>
+            <a:r>
+              <a:rPr lang="en-US" altLang="zh-CN" sz="2400">
+                <a:solidFill>
+                  <a:schemeClr val="tx1"/>
+                </a:solidFill>
+                <a:uFillTx/>
+                <a:latin typeface="FreeMono" panose="020F0409020205020404" charset="0"/>
+              </a:rPr>
+              <a:t>XML</a:t>
+            </a:r>
+            <a:r>
+              <a:rPr lang="zh-CN" altLang="en-US" sz="2400">
+                <a:solidFill>
+                  <a:schemeClr val="tx1"/>
+                </a:solidFill>
+                <a:uFillTx/>
+                <a:latin typeface="FreeMono" panose="020F0409020205020404" charset="0"/>
+              </a:rPr>
+              <a:t>格式格式化字符串之后返回即可实现原样返回消息。</a:t>
+            </a:r>
+            <a:endParaRPr lang="zh-CN" altLang="en-US" sz="2400">
+              <a:solidFill>
+                <a:schemeClr val="tx1"/>
+              </a:solidFill>
+              <a:uFillTx/>
+              <a:latin typeface="FreeMono" panose="020F0409020205020404" charset="0"/>
+            </a:endParaRPr>
+          </a:p>
+          <a:p>
+            <a:pPr fontAlgn="auto">
+              <a:lnSpc>
+                <a:spcPts val="3280"/>
+              </a:lnSpc>
+            </a:pPr>
+            <a:endParaRPr lang="zh-CN" altLang="en-US" sz="2400">
+              <a:solidFill>
+                <a:schemeClr val="tx1"/>
+              </a:solidFill>
+              <a:uFillTx/>
+              <a:latin typeface="FreeMono" panose="020F0409020205020404" charset="0"/>
+            </a:endParaRPr>
+          </a:p>
+          <a:p>
+            <a:pPr fontAlgn="auto">
+              <a:lnSpc>
+                <a:spcPts val="3280"/>
+              </a:lnSpc>
+            </a:pPr>
+            <a:r>
+              <a:rPr lang="zh-CN" altLang="en-US" sz="2400">
+                <a:solidFill>
+                  <a:schemeClr val="tx1"/>
+                </a:solidFill>
+                <a:uFillTx/>
+                <a:latin typeface="FreeMono" panose="020F0409020205020404" charset="0"/>
+              </a:rPr>
+              <a:t>获取消息后，要根据不同消息类型，格式化成对应类型的</a:t>
+            </a:r>
+            <a:r>
+              <a:rPr lang="en-US" altLang="zh-CN" sz="2400">
+                <a:solidFill>
+                  <a:schemeClr val="tx1"/>
+                </a:solidFill>
+                <a:uFillTx/>
+                <a:latin typeface="FreeMono" panose="020F0409020205020404" charset="0"/>
+              </a:rPr>
+              <a:t>XML</a:t>
+            </a:r>
+            <a:r>
+              <a:rPr lang="zh-CN" altLang="en-US" sz="2400">
+                <a:solidFill>
+                  <a:schemeClr val="tx1"/>
+                </a:solidFill>
+                <a:uFillTx/>
+                <a:latin typeface="FreeMono" panose="020F0409020205020404" charset="0"/>
+              </a:rPr>
+              <a:t>格式。</a:t>
+            </a:r>
+            <a:endParaRPr lang="zh-CN" altLang="en-US" sz="2400">
+              <a:solidFill>
+                <a:schemeClr val="tx1"/>
+              </a:solidFill>
+              <a:uFillTx/>
+              <a:latin typeface="FreeMono" panose="020F0409020205020404" charset="0"/>
+            </a:endParaRPr>
+          </a:p>
+        </p:txBody>
+      </p:sp>
     </p:spTree>
   </p:cSld>
   <p:clrMapOvr>

--- a/ch02/原样返回消息.pptx
+++ b/ch02/原样返回消息.pptx
@@ -7,8 +7,10 @@
   <p:sldIdLst>
     <p:sldId id="256" r:id="rId3"/>
     <p:sldId id="258" r:id="rId4"/>
-    <p:sldId id="257" r:id="rId5"/>
-    <p:sldId id="260" r:id="rId6"/>
+    <p:sldId id="261" r:id="rId5"/>
+    <p:sldId id="262" r:id="rId6"/>
+    <p:sldId id="257" r:id="rId7"/>
+    <p:sldId id="260" r:id="rId8"/>
   </p:sldIdLst>
   <p:sldSz cx="12192000" cy="6858000"/>
   <p:notesSz cx="6858000" cy="9144000"/>
@@ -3053,9 +3055,35 @@
             </a:r>
             <a:r>
               <a:rPr lang="zh-CN" altLang="en-US" sz="2400"/>
-              <a:t>字符串。</a:t>
-            </a:r>
+              <a:t>字符串。否则用户会收到错误提示。</a:t>
+            </a:r>
+            <a:endParaRPr lang="zh-CN" altLang="en-US" sz="2400"/>
+          </a:p>
+          <a:p>
             <a:endParaRPr lang="en-US" altLang="zh-CN" sz="2400"/>
+          </a:p>
+          <a:p>
+            <a:r>
+              <a:rPr lang="zh-CN" altLang="en-US" sz="2400"/>
+              <a:t>如果开发者服务器</a:t>
+            </a:r>
+            <a:r>
+              <a:rPr lang="en-US" altLang="zh-CN" sz="2400"/>
+              <a:t>5</a:t>
+            </a:r>
+            <a:r>
+              <a:rPr lang="zh-CN" altLang="en-US" sz="2400"/>
+              <a:t>秒内没有响应，用户也会收到错误提示，尽管微信官方文档也这样说，但是实际上，微信服务器会重试，如果重试</a:t>
+            </a:r>
+            <a:r>
+              <a:rPr lang="en-US" altLang="zh-CN" sz="2400"/>
+              <a:t>3</a:t>
+            </a:r>
+            <a:r>
+              <a:rPr lang="zh-CN" altLang="en-US" sz="2400"/>
+              <a:t>次，每次都超时则会给用户错误提示。</a:t>
+            </a:r>
+            <a:endParaRPr lang="zh-CN" altLang="en-US" sz="2400"/>
           </a:p>
         </p:txBody>
       </p:sp>
@@ -3077,9 +3105,957 @@
         <p:nvPr/>
       </p:nvGrpSpPr>
       <p:grpSpPr/>
+      <p:sp>
+        <p:nvSpPr>
+          <p:cNvPr id="2" name="标题 1"/>
+          <p:cNvSpPr>
+            <a:spLocks noGrp="1"/>
+          </p:cNvSpPr>
+          <p:nvPr>
+            <p:ph type="title"/>
+          </p:nvPr>
+        </p:nvSpPr>
+        <p:spPr>
+          <a:xfrm>
+            <a:off x="838200" y="365125"/>
+            <a:ext cx="10515600" cy="846455"/>
+          </a:xfrm>
+        </p:spPr>
+        <p:txBody>
+          <a:bodyPr/>
+          <a:p>
+            <a:r>
+              <a:rPr lang="zh-CN" altLang="en-US" sz="3600"/>
+              <a:t>文本消息示例</a:t>
+            </a:r>
+            <a:endParaRPr lang="zh-CN" altLang="en-US" sz="3600"/>
+          </a:p>
+        </p:txBody>
+      </p:sp>
+      <p:sp>
+        <p:nvSpPr>
+          <p:cNvPr id="3" name="内容占位符 2"/>
+          <p:cNvSpPr>
+            <a:spLocks noGrp="1"/>
+          </p:cNvSpPr>
+          <p:nvPr>
+            <p:ph idx="1"/>
+          </p:nvPr>
+        </p:nvSpPr>
+        <p:spPr>
+          <a:xfrm>
+            <a:off x="838200" y="1325880"/>
+            <a:ext cx="10515600" cy="4851400"/>
+          </a:xfrm>
+        </p:spPr>
+        <p:txBody>
+          <a:bodyPr/>
+          <a:p>
+            <a:pPr marL="0" indent="0">
+              <a:buNone/>
+            </a:pPr>
+            <a:r>
+              <a:rPr lang="en-US" altLang="zh-CN" sz="2400" b="1">
+                <a:solidFill>
+                  <a:schemeClr val="tx1"/>
+                </a:solidFill>
+                <a:uFillTx/>
+                <a:latin typeface="FreeMono" panose="020F0409020205020404" charset="0"/>
+              </a:rPr>
+              <a:t>&lt;xml&gt;</a:t>
+            </a:r>
+            <a:endParaRPr lang="en-US" altLang="zh-CN" sz="2400" b="1">
+              <a:solidFill>
+                <a:schemeClr val="tx1"/>
+              </a:solidFill>
+              <a:uFillTx/>
+              <a:latin typeface="FreeMono" panose="020F0409020205020404" charset="0"/>
+            </a:endParaRPr>
+          </a:p>
+          <a:p>
+            <a:pPr marL="0" indent="0">
+              <a:buNone/>
+            </a:pPr>
+            <a:r>
+              <a:rPr lang="en-US" altLang="zh-CN" sz="2400" b="1">
+                <a:solidFill>
+                  <a:schemeClr val="tx1"/>
+                </a:solidFill>
+                <a:uFillTx/>
+                <a:latin typeface="FreeMono" panose="020F0409020205020404" charset="0"/>
+              </a:rPr>
+              <a:t>  &lt;ToUserName&gt;&lt;![CDATA[toUser]]&gt;&lt;/ToUserName&gt;</a:t>
+            </a:r>
+            <a:endParaRPr lang="en-US" altLang="zh-CN" sz="2400" b="1">
+              <a:solidFill>
+                <a:schemeClr val="tx1"/>
+              </a:solidFill>
+              <a:uFillTx/>
+              <a:latin typeface="FreeMono" panose="020F0409020205020404" charset="0"/>
+            </a:endParaRPr>
+          </a:p>
+          <a:p>
+            <a:pPr marL="0" indent="0">
+              <a:buNone/>
+            </a:pPr>
+            <a:r>
+              <a:rPr lang="en-US" altLang="zh-CN" sz="2400" b="1">
+                <a:solidFill>
+                  <a:schemeClr val="tx1"/>
+                </a:solidFill>
+                <a:uFillTx/>
+                <a:latin typeface="FreeMono" panose="020F0409020205020404" charset="0"/>
+              </a:rPr>
+              <a:t>  &lt;FromUserName&gt;&lt;![CDATA[fromUser]]&gt;&lt;/FromUserName&gt;</a:t>
+            </a:r>
+            <a:endParaRPr lang="en-US" altLang="zh-CN" sz="2400" b="1">
+              <a:solidFill>
+                <a:schemeClr val="tx1"/>
+              </a:solidFill>
+              <a:uFillTx/>
+              <a:latin typeface="FreeMono" panose="020F0409020205020404" charset="0"/>
+            </a:endParaRPr>
+          </a:p>
+          <a:p>
+            <a:pPr marL="0" indent="0">
+              <a:buNone/>
+            </a:pPr>
+            <a:r>
+              <a:rPr lang="en-US" altLang="zh-CN" sz="2400" b="1">
+                <a:solidFill>
+                  <a:schemeClr val="tx1"/>
+                </a:solidFill>
+                <a:uFillTx/>
+                <a:latin typeface="FreeMono" panose="020F0409020205020404" charset="0"/>
+              </a:rPr>
+              <a:t>  &lt;CreateTime&gt;1348831860&lt;/CreateTime&gt;</a:t>
+            </a:r>
+            <a:endParaRPr lang="en-US" altLang="zh-CN" sz="2400" b="1">
+              <a:solidFill>
+                <a:schemeClr val="tx1"/>
+              </a:solidFill>
+              <a:uFillTx/>
+              <a:latin typeface="FreeMono" panose="020F0409020205020404" charset="0"/>
+            </a:endParaRPr>
+          </a:p>
+          <a:p>
+            <a:pPr marL="0" indent="0">
+              <a:buNone/>
+            </a:pPr>
+            <a:r>
+              <a:rPr lang="en-US" altLang="zh-CN" sz="2400" b="1">
+                <a:solidFill>
+                  <a:schemeClr val="tx1"/>
+                </a:solidFill>
+                <a:uFillTx/>
+                <a:latin typeface="FreeMono" panose="020F0409020205020404" charset="0"/>
+              </a:rPr>
+              <a:t>  &lt;MsgType&gt;&lt;![CDATA[text]]&gt;&lt;/MsgType&gt;</a:t>
+            </a:r>
+            <a:endParaRPr lang="en-US" altLang="zh-CN" sz="2400" b="1">
+              <a:solidFill>
+                <a:schemeClr val="tx1"/>
+              </a:solidFill>
+              <a:uFillTx/>
+              <a:latin typeface="FreeMono" panose="020F0409020205020404" charset="0"/>
+            </a:endParaRPr>
+          </a:p>
+          <a:p>
+            <a:pPr marL="0" indent="0">
+              <a:buNone/>
+            </a:pPr>
+            <a:r>
+              <a:rPr lang="en-US" altLang="zh-CN" sz="2400" b="1">
+                <a:solidFill>
+                  <a:schemeClr val="tx1"/>
+                </a:solidFill>
+                <a:uFillTx/>
+                <a:latin typeface="FreeMono" panose="020F0409020205020404" charset="0"/>
+              </a:rPr>
+              <a:t>  &lt;Content&gt;&lt;![CDATA[this is a test]]&gt;&lt;/Content&gt;</a:t>
+            </a:r>
+            <a:endParaRPr lang="en-US" altLang="zh-CN" sz="2400" b="1">
+              <a:solidFill>
+                <a:schemeClr val="tx1"/>
+              </a:solidFill>
+              <a:uFillTx/>
+              <a:latin typeface="FreeMono" panose="020F0409020205020404" charset="0"/>
+            </a:endParaRPr>
+          </a:p>
+          <a:p>
+            <a:pPr marL="0" indent="0">
+              <a:buNone/>
+            </a:pPr>
+            <a:r>
+              <a:rPr lang="en-US" altLang="zh-CN" sz="2400" b="1">
+                <a:solidFill>
+                  <a:schemeClr val="tx1"/>
+                </a:solidFill>
+                <a:uFillTx/>
+                <a:latin typeface="FreeMono" panose="020F0409020205020404" charset="0"/>
+              </a:rPr>
+              <a:t>  &lt;MsgId&gt;1234567890123456&lt;/MsgId&gt;</a:t>
+            </a:r>
+            <a:endParaRPr lang="en-US" altLang="zh-CN" sz="2400" b="1">
+              <a:solidFill>
+                <a:schemeClr val="tx1"/>
+              </a:solidFill>
+              <a:uFillTx/>
+              <a:latin typeface="FreeMono" panose="020F0409020205020404" charset="0"/>
+            </a:endParaRPr>
+          </a:p>
+          <a:p>
+            <a:pPr marL="0" indent="0">
+              <a:buNone/>
+            </a:pPr>
+            <a:r>
+              <a:rPr lang="en-US" altLang="zh-CN" sz="2400" b="1">
+                <a:solidFill>
+                  <a:schemeClr val="tx1"/>
+                </a:solidFill>
+                <a:uFillTx/>
+                <a:latin typeface="FreeMono" panose="020F0409020205020404" charset="0"/>
+              </a:rPr>
+              <a:t>&lt;/xml&gt;</a:t>
+            </a:r>
+            <a:endParaRPr lang="zh-CN" altLang="en-US" sz="2400" b="1">
+              <a:solidFill>
+                <a:schemeClr val="tx1"/>
+              </a:solidFill>
+              <a:uFillTx/>
+              <a:latin typeface="FreeMono" panose="020F0409020205020404" charset="0"/>
+            </a:endParaRPr>
+          </a:p>
+        </p:txBody>
+      </p:sp>
+    </p:spTree>
+  </p:cSld>
+  <p:clrMapOvr>
+    <a:masterClrMapping/>
+  </p:clrMapOvr>
+</p:sld>
+</file>
+
+<file path=ppt/slides/slide4.xml><?xml version="1.0" encoding="utf-8"?>
+<p:sld xmlns:a="http://schemas.openxmlformats.org/drawingml/2006/main" xmlns:r="http://schemas.openxmlformats.org/officeDocument/2006/relationships" xmlns:p="http://schemas.openxmlformats.org/presentationml/2006/main">
+  <p:cSld>
+    <p:spTree>
+      <p:nvGrpSpPr>
+        <p:cNvPr id="1" name=""/>
+        <p:cNvGrpSpPr/>
+        <p:nvPr/>
+      </p:nvGrpSpPr>
+      <p:grpSpPr/>
+      <p:sp>
+        <p:nvSpPr>
+          <p:cNvPr id="2" name="标题 1"/>
+          <p:cNvSpPr>
+            <a:spLocks noGrp="1"/>
+          </p:cNvSpPr>
+          <p:nvPr>
+            <p:ph type="title"/>
+          </p:nvPr>
+        </p:nvSpPr>
+        <p:spPr>
+          <a:xfrm>
+            <a:off x="838200" y="365125"/>
+            <a:ext cx="10515600" cy="846455"/>
+          </a:xfrm>
+        </p:spPr>
+        <p:txBody>
+          <a:bodyPr/>
+          <a:p>
+            <a:r>
+              <a:rPr lang="zh-CN" altLang="en-US" sz="3600"/>
+              <a:t>消息字段解释</a:t>
+            </a:r>
+            <a:endParaRPr lang="zh-CN" altLang="en-US" sz="3600"/>
+          </a:p>
+        </p:txBody>
+      </p:sp>
+      <p:sp>
+        <p:nvSpPr>
+          <p:cNvPr id="3" name="内容占位符 2"/>
+          <p:cNvSpPr>
+            <a:spLocks noGrp="1"/>
+          </p:cNvSpPr>
+          <p:nvPr>
+            <p:ph idx="1"/>
+          </p:nvPr>
+        </p:nvSpPr>
+        <p:spPr>
+          <a:xfrm>
+            <a:off x="838200" y="1325880"/>
+            <a:ext cx="10515600" cy="4851400"/>
+          </a:xfrm>
+        </p:spPr>
+        <p:txBody>
+          <a:bodyPr/>
+          <a:p>
+            <a:r>
+              <a:rPr lang="en-US" altLang="zh-CN" sz="2400">
+                <a:solidFill>
+                  <a:schemeClr val="tx1"/>
+                </a:solidFill>
+                <a:uFillTx/>
+                <a:latin typeface="FreeMono" panose="020F0409020205020404" charset="0"/>
+              </a:rPr>
+              <a:t>FromUserName</a:t>
+            </a:r>
+            <a:r>
+              <a:rPr lang="zh-CN" altLang="en-US" sz="2400">
+                <a:solidFill>
+                  <a:schemeClr val="tx1"/>
+                </a:solidFill>
+                <a:uFillTx/>
+                <a:latin typeface="FreeMono" panose="020F0409020205020404" charset="0"/>
+              </a:rPr>
+              <a:t>表示的是发送者，在这里是一个</a:t>
+            </a:r>
+            <a:r>
+              <a:rPr lang="en-US" altLang="zh-CN" sz="2400">
+                <a:solidFill>
+                  <a:schemeClr val="tx1"/>
+                </a:solidFill>
+                <a:uFillTx/>
+                <a:latin typeface="FreeMono" panose="020F0409020205020404" charset="0"/>
+              </a:rPr>
+              <a:t>OpenID</a:t>
+            </a:r>
+            <a:r>
+              <a:rPr lang="zh-CN" altLang="en-US" sz="2400">
+                <a:solidFill>
+                  <a:schemeClr val="tx1"/>
+                </a:solidFill>
+                <a:uFillTx/>
+                <a:latin typeface="FreeMono" panose="020F0409020205020404" charset="0"/>
+              </a:rPr>
+              <a:t>，每个用户关注公众号之后，都会针对此公众号生成一个唯一的</a:t>
+            </a:r>
+            <a:r>
+              <a:rPr lang="en-US" altLang="zh-CN" sz="2400">
+                <a:solidFill>
+                  <a:schemeClr val="tx1"/>
+                </a:solidFill>
+                <a:uFillTx/>
+                <a:latin typeface="FreeMono" panose="020F0409020205020404" charset="0"/>
+              </a:rPr>
+              <a:t>ID</a:t>
+            </a:r>
+            <a:r>
+              <a:rPr lang="zh-CN" altLang="en-US" sz="2400">
+                <a:solidFill>
+                  <a:schemeClr val="tx1"/>
+                </a:solidFill>
+                <a:uFillTx/>
+                <a:latin typeface="FreeMono" panose="020F0409020205020404" charset="0"/>
+              </a:rPr>
+              <a:t>用于标识用户。</a:t>
+            </a:r>
+            <a:endParaRPr lang="zh-CN" altLang="en-US" sz="2400">
+              <a:solidFill>
+                <a:schemeClr val="tx1"/>
+              </a:solidFill>
+              <a:uFillTx/>
+              <a:latin typeface="FreeMono" panose="020F0409020205020404" charset="0"/>
+            </a:endParaRPr>
+          </a:p>
+          <a:p>
+            <a:r>
+              <a:rPr lang="en-US" altLang="zh-CN" sz="2400">
+                <a:solidFill>
+                  <a:schemeClr val="tx1"/>
+                </a:solidFill>
+                <a:uFillTx/>
+                <a:latin typeface="FreeMono" panose="020F0409020205020404" charset="0"/>
+              </a:rPr>
+              <a:t>MsgType</a:t>
+            </a:r>
+            <a:r>
+              <a:rPr lang="zh-CN" altLang="en-US" sz="2400">
+                <a:solidFill>
+                  <a:schemeClr val="tx1"/>
+                </a:solidFill>
+                <a:uFillTx/>
+                <a:latin typeface="FreeMono" panose="020F0409020205020404" charset="0"/>
+              </a:rPr>
+              <a:t>表明了消息类型，不同类型的消息，会有不同的字段，但是公共字段是：</a:t>
+            </a:r>
+            <a:r>
+              <a:rPr lang="en-US" altLang="zh-CN" sz="2400">
+                <a:solidFill>
+                  <a:schemeClr val="tx1"/>
+                </a:solidFill>
+                <a:uFillTx/>
+                <a:latin typeface="FreeMono" panose="020F0409020205020404" charset="0"/>
+              </a:rPr>
+              <a:t>ToUserName, FromUsername, CreateTime, MsgType, MsgId</a:t>
+            </a:r>
+            <a:r>
+              <a:rPr lang="zh-CN" altLang="en-US" sz="2400">
+                <a:solidFill>
+                  <a:schemeClr val="tx1"/>
+                </a:solidFill>
+                <a:uFillTx/>
+                <a:latin typeface="FreeMono" panose="020F0409020205020404" charset="0"/>
+              </a:rPr>
+              <a:t>。</a:t>
+            </a:r>
+            <a:endParaRPr lang="zh-CN" altLang="en-US" sz="2400">
+              <a:solidFill>
+                <a:schemeClr val="tx1"/>
+              </a:solidFill>
+              <a:uFillTx/>
+              <a:latin typeface="FreeMono" panose="020F0409020205020404" charset="0"/>
+            </a:endParaRPr>
+          </a:p>
+          <a:p>
+            <a:endParaRPr lang="zh-CN" altLang="en-US" sz="2400">
+              <a:solidFill>
+                <a:schemeClr val="tx1"/>
+              </a:solidFill>
+              <a:uFillTx/>
+              <a:latin typeface="FreeMono" panose="020F0409020205020404" charset="0"/>
+            </a:endParaRPr>
+          </a:p>
+        </p:txBody>
+      </p:sp>
+      <p:graphicFrame>
+        <p:nvGraphicFramePr>
+          <p:cNvPr id="4" name="表格 3"/>
+          <p:cNvGraphicFramePr/>
+          <p:nvPr/>
+        </p:nvGraphicFramePr>
+        <p:xfrm>
+          <a:off x="1918335" y="3508375"/>
+          <a:ext cx="8534400" cy="2696210"/>
+        </p:xfrm>
+        <a:graphic>
+          <a:graphicData uri="http://schemas.openxmlformats.org/drawingml/2006/table">
+            <a:tbl>
+              <a:tblPr firstRow="1" bandRow="1">
+                <a:tableStyleId>{5C22544A-7EE6-4342-B048-85BDC9FD1C3A}</a:tableStyleId>
+              </a:tblPr>
+              <a:tblGrid>
+                <a:gridCol w="2635885"/>
+                <a:gridCol w="5898515"/>
+              </a:tblGrid>
+              <a:tr h="396240">
+                <a:tc>
+                  <a:txBody>
+                    <a:bodyPr/>
+                    <a:p>
+                      <a:pPr>
+                        <a:buNone/>
+                      </a:pPr>
+                      <a:r>
+                        <a:rPr lang="zh-CN" altLang="en-US" sz="2200">
+                          <a:solidFill>
+                            <a:schemeClr val="accent1">
+                              <a:lumMod val="50000"/>
+                            </a:schemeClr>
+                          </a:solidFill>
+                        </a:rPr>
+                        <a:t>参数</a:t>
+                      </a:r>
+                      <a:endParaRPr lang="zh-CN" altLang="en-US" sz="2200">
+                        <a:solidFill>
+                          <a:schemeClr val="accent1">
+                            <a:lumMod val="50000"/>
+                          </a:schemeClr>
+                        </a:solidFill>
+                      </a:endParaRPr>
+                    </a:p>
+                  </a:txBody>
+                  <a:tcPr>
+                    <a:pattFill prst="pct5">
+                      <a:fgClr>
+                        <a:schemeClr val="accent1"/>
+                      </a:fgClr>
+                      <a:bgClr>
+                        <a:schemeClr val="bg1"/>
+                      </a:bgClr>
+                    </a:pattFill>
+                  </a:tcPr>
+                </a:tc>
+                <a:tc>
+                  <a:txBody>
+                    <a:bodyPr/>
+                    <a:p>
+                      <a:pPr>
+                        <a:buNone/>
+                      </a:pPr>
+                      <a:r>
+                        <a:rPr lang="zh-CN" altLang="en-US" sz="2200">
+                          <a:solidFill>
+                            <a:schemeClr val="accent1">
+                              <a:lumMod val="50000"/>
+                            </a:schemeClr>
+                          </a:solidFill>
+                        </a:rPr>
+                        <a:t>描述</a:t>
+                      </a:r>
+                      <a:endParaRPr lang="zh-CN" altLang="en-US" sz="2200">
+                        <a:solidFill>
+                          <a:schemeClr val="accent1">
+                            <a:lumMod val="50000"/>
+                          </a:schemeClr>
+                        </a:solidFill>
+                      </a:endParaRPr>
+                    </a:p>
+                  </a:txBody>
+                  <a:tcPr>
+                    <a:pattFill prst="pct5">
+                      <a:fgClr>
+                        <a:schemeClr val="accent1"/>
+                      </a:fgClr>
+                      <a:bgClr>
+                        <a:schemeClr val="bg1"/>
+                      </a:bgClr>
+                    </a:pattFill>
+                  </a:tcPr>
+                </a:tc>
+              </a:tr>
+              <a:tr h="381000">
+                <a:tc>
+                  <a:txBody>
+                    <a:bodyPr/>
+                    <a:p>
+                      <a:pPr>
+                        <a:buNone/>
+                      </a:pPr>
+                      <a:r>
+                        <a:rPr lang="en-US" altLang="zh-CN" sz="2200">
+                          <a:solidFill>
+                            <a:schemeClr val="tx1"/>
+                          </a:solidFill>
+                          <a:uFillTx/>
+                          <a:latin typeface="FreeMono" panose="020F0409020205020404" charset="0"/>
+                          <a:sym typeface="+mn-ea"/>
+                        </a:rPr>
+                        <a:t>ToUserName</a:t>
+                      </a:r>
+                      <a:endParaRPr lang="en-US" altLang="zh-CN" sz="2200">
+                        <a:solidFill>
+                          <a:schemeClr val="tx1"/>
+                        </a:solidFill>
+                        <a:uFillTx/>
+                        <a:latin typeface="FreeMono" panose="020F0409020205020404" charset="0"/>
+                        <a:sym typeface="+mn-ea"/>
+                      </a:endParaRPr>
+                    </a:p>
+                  </a:txBody>
+                  <a:tcPr>
+                    <a:pattFill prst="pct5">
+                      <a:fgClr>
+                        <a:schemeClr val="accent1"/>
+                      </a:fgClr>
+                      <a:bgClr>
+                        <a:schemeClr val="bg1"/>
+                      </a:bgClr>
+                    </a:pattFill>
+                  </a:tcPr>
+                </a:tc>
+                <a:tc>
+                  <a:txBody>
+                    <a:bodyPr/>
+                    <a:p>
+                      <a:pPr>
+                        <a:buNone/>
+                      </a:pPr>
+                      <a:r>
+                        <a:rPr lang="en-US" altLang="zh-CN" sz="2200">
+                          <a:solidFill>
+                            <a:schemeClr val="tx1"/>
+                          </a:solidFill>
+                          <a:uFillTx/>
+                          <a:latin typeface="FreeMono" panose="020F0409020205020404" charset="0"/>
+                          <a:sym typeface="+mn-ea"/>
+                        </a:rPr>
+                        <a:t>开发者微信号</a:t>
+                      </a:r>
+                      <a:endParaRPr lang="en-US" altLang="zh-CN" sz="2200">
+                        <a:solidFill>
+                          <a:schemeClr val="tx1"/>
+                        </a:solidFill>
+                        <a:uFillTx/>
+                        <a:latin typeface="FreeMono" panose="020F0409020205020404" charset="0"/>
+                        <a:sym typeface="+mn-ea"/>
+                      </a:endParaRPr>
+                    </a:p>
+                  </a:txBody>
+                  <a:tcPr>
+                    <a:pattFill prst="pct5">
+                      <a:fgClr>
+                        <a:schemeClr val="accent1"/>
+                      </a:fgClr>
+                      <a:bgClr>
+                        <a:schemeClr val="bg1"/>
+                      </a:bgClr>
+                    </a:pattFill>
+                  </a:tcPr>
+                </a:tc>
+              </a:tr>
+              <a:tr h="381000">
+                <a:tc>
+                  <a:txBody>
+                    <a:bodyPr/>
+                    <a:p>
+                      <a:pPr>
+                        <a:buNone/>
+                      </a:pPr>
+                      <a:r>
+                        <a:rPr lang="en-US" altLang="zh-CN" sz="2200">
+                          <a:solidFill>
+                            <a:schemeClr val="tx1"/>
+                          </a:solidFill>
+                          <a:uFillTx/>
+                          <a:latin typeface="FreeMono" panose="020F0409020205020404" charset="0"/>
+                          <a:sym typeface="+mn-ea"/>
+                        </a:rPr>
+                        <a:t>FromUserName</a:t>
+                      </a:r>
+                      <a:endParaRPr lang="en-US" altLang="zh-CN" sz="2200">
+                        <a:solidFill>
+                          <a:schemeClr val="tx1"/>
+                        </a:solidFill>
+                        <a:uFillTx/>
+                        <a:latin typeface="FreeMono" panose="020F0409020205020404" charset="0"/>
+                        <a:sym typeface="+mn-ea"/>
+                      </a:endParaRPr>
+                    </a:p>
+                  </a:txBody>
+                  <a:tcPr>
+                    <a:pattFill prst="pct5">
+                      <a:fgClr>
+                        <a:schemeClr val="accent1"/>
+                      </a:fgClr>
+                      <a:bgClr>
+                        <a:schemeClr val="bg1"/>
+                      </a:bgClr>
+                    </a:pattFill>
+                  </a:tcPr>
+                </a:tc>
+                <a:tc>
+                  <a:txBody>
+                    <a:bodyPr/>
+                    <a:p>
+                      <a:pPr>
+                        <a:buNone/>
+                      </a:pPr>
+                      <a:r>
+                        <a:rPr lang="en-US" altLang="zh-CN" sz="2200">
+                          <a:solidFill>
+                            <a:schemeClr val="tx1"/>
+                          </a:solidFill>
+                          <a:uFillTx/>
+                          <a:latin typeface="FreeMono" panose="020F0409020205020404" charset="0"/>
+                          <a:sym typeface="+mn-ea"/>
+                        </a:rPr>
+                        <a:t>发送方帐号（一个OpenID）</a:t>
+                      </a:r>
+                      <a:endParaRPr lang="en-US" altLang="zh-CN" sz="2200">
+                        <a:solidFill>
+                          <a:schemeClr val="tx1"/>
+                        </a:solidFill>
+                        <a:uFillTx/>
+                        <a:latin typeface="FreeMono" panose="020F0409020205020404" charset="0"/>
+                        <a:sym typeface="+mn-ea"/>
+                      </a:endParaRPr>
+                    </a:p>
+                  </a:txBody>
+                  <a:tcPr>
+                    <a:pattFill prst="pct5">
+                      <a:fgClr>
+                        <a:schemeClr val="accent1"/>
+                      </a:fgClr>
+                      <a:bgClr>
+                        <a:schemeClr val="bg1"/>
+                      </a:bgClr>
+                    </a:pattFill>
+                  </a:tcPr>
+                </a:tc>
+              </a:tr>
+              <a:tr h="425450">
+                <a:tc>
+                  <a:txBody>
+                    <a:bodyPr/>
+                    <a:p>
+                      <a:pPr>
+                        <a:buNone/>
+                      </a:pPr>
+                      <a:r>
+                        <a:rPr lang="zh-CN" altLang="en-US" sz="2200">
+                          <a:latin typeface="FreeMono" panose="020F0409020205020404" charset="0"/>
+                          <a:ea typeface="FreeMono" panose="020F0409020205020404" charset="0"/>
+                        </a:rPr>
+                        <a:t>CreateTim</a:t>
+                      </a:r>
+                      <a:r>
+                        <a:rPr lang="en-US" altLang="zh-CN" sz="2200">
+                          <a:latin typeface="FreeMono" panose="020F0409020205020404" charset="0"/>
+                          <a:ea typeface="FreeMono" panose="020F0409020205020404" charset="0"/>
+                        </a:rPr>
+                        <a:t>e</a:t>
+                      </a:r>
+                      <a:endParaRPr lang="en-US" altLang="zh-CN" sz="2200">
+                        <a:latin typeface="FreeMono" panose="020F0409020205020404" charset="0"/>
+                        <a:ea typeface="FreeMono" panose="020F0409020205020404" charset="0"/>
+                      </a:endParaRPr>
+                    </a:p>
+                  </a:txBody>
+                  <a:tcPr>
+                    <a:pattFill prst="pct5">
+                      <a:fgClr>
+                        <a:schemeClr val="accent1"/>
+                      </a:fgClr>
+                      <a:bgClr>
+                        <a:schemeClr val="bg1"/>
+                      </a:bgClr>
+                    </a:pattFill>
+                  </a:tcPr>
+                </a:tc>
+                <a:tc>
+                  <a:txBody>
+                    <a:bodyPr/>
+                    <a:p>
+                      <a:pPr>
+                        <a:buNone/>
+                      </a:pPr>
+                      <a:r>
+                        <a:rPr lang="zh-CN" altLang="en-US" sz="2200"/>
+                        <a:t>消息创建时间 （整型）</a:t>
+                      </a:r>
+                      <a:endParaRPr lang="zh-CN" altLang="en-US" sz="2200"/>
+                    </a:p>
+                  </a:txBody>
+                  <a:tcPr>
+                    <a:pattFill prst="pct5">
+                      <a:fgClr>
+                        <a:schemeClr val="accent1"/>
+                      </a:fgClr>
+                      <a:bgClr>
+                        <a:schemeClr val="bg1"/>
+                      </a:bgClr>
+                    </a:pattFill>
+                  </a:tcPr>
+                </a:tc>
+              </a:tr>
+              <a:tr h="381000">
+                <a:tc>
+                  <a:txBody>
+                    <a:bodyPr/>
+                    <a:p>
+                      <a:pPr>
+                        <a:buNone/>
+                      </a:pPr>
+                      <a:r>
+                        <a:rPr lang="en-US" altLang="zh-CN" sz="2200">
+                          <a:latin typeface="FreeMono" panose="020F0409020205020404" charset="0"/>
+                          <a:ea typeface="FreeMono" panose="020F0409020205020404" charset="0"/>
+                        </a:rPr>
+                        <a:t>MsgType</a:t>
+                      </a:r>
+                      <a:endParaRPr lang="en-US" altLang="zh-CN" sz="2200">
+                        <a:latin typeface="FreeMono" panose="020F0409020205020404" charset="0"/>
+                        <a:ea typeface="FreeMono" panose="020F0409020205020404" charset="0"/>
+                      </a:endParaRPr>
+                    </a:p>
+                  </a:txBody>
+                  <a:tcPr>
+                    <a:pattFill prst="pct5">
+                      <a:fgClr>
+                        <a:schemeClr val="accent1"/>
+                      </a:fgClr>
+                      <a:bgClr>
+                        <a:schemeClr val="bg1"/>
+                      </a:bgClr>
+                    </a:pattFill>
+                  </a:tcPr>
+                </a:tc>
+                <a:tc>
+                  <a:txBody>
+                    <a:bodyPr/>
+                    <a:p>
+                      <a:pPr>
+                        <a:buNone/>
+                      </a:pPr>
+                      <a:r>
+                        <a:rPr lang="zh-CN" altLang="en-US" sz="2200"/>
+                        <a:t>消息类型</a:t>
+                      </a:r>
+                      <a:endParaRPr lang="zh-CN" altLang="en-US" sz="2200"/>
+                    </a:p>
+                  </a:txBody>
+                  <a:tcPr>
+                    <a:pattFill prst="pct5">
+                      <a:fgClr>
+                        <a:schemeClr val="accent1"/>
+                      </a:fgClr>
+                      <a:bgClr>
+                        <a:schemeClr val="bg1"/>
+                      </a:bgClr>
+                    </a:pattFill>
+                  </a:tcPr>
+                </a:tc>
+              </a:tr>
+              <a:tr h="381000">
+                <a:tc>
+                  <a:txBody>
+                    <a:bodyPr/>
+                    <a:p>
+                      <a:pPr>
+                        <a:buNone/>
+                      </a:pPr>
+                      <a:r>
+                        <a:rPr lang="en-US" altLang="zh-CN" sz="2200">
+                          <a:latin typeface="FreeMono" panose="020F0409020205020404" charset="0"/>
+                          <a:ea typeface="FreeMono" panose="020F0409020205020404" charset="0"/>
+                        </a:rPr>
+                        <a:t>Content</a:t>
+                      </a:r>
+                      <a:endParaRPr lang="en-US" altLang="zh-CN" sz="2200">
+                        <a:latin typeface="FreeMono" panose="020F0409020205020404" charset="0"/>
+                        <a:ea typeface="FreeMono" panose="020F0409020205020404" charset="0"/>
+                      </a:endParaRPr>
+                    </a:p>
+                  </a:txBody>
+                  <a:tcPr>
+                    <a:pattFill prst="pct5">
+                      <a:fgClr>
+                        <a:schemeClr val="accent1"/>
+                      </a:fgClr>
+                      <a:bgClr>
+                        <a:schemeClr val="bg1"/>
+                      </a:bgClr>
+                    </a:pattFill>
+                  </a:tcPr>
+                </a:tc>
+                <a:tc>
+                  <a:txBody>
+                    <a:bodyPr/>
+                    <a:p>
+                      <a:pPr>
+                        <a:buNone/>
+                      </a:pPr>
+                      <a:r>
+                        <a:rPr lang="zh-CN" altLang="en-US" sz="2200"/>
+                        <a:t>消息内容</a:t>
+                      </a:r>
+                      <a:endParaRPr lang="zh-CN" altLang="en-US" sz="2200"/>
+                    </a:p>
+                  </a:txBody>
+                  <a:tcPr>
+                    <a:pattFill prst="pct5">
+                      <a:fgClr>
+                        <a:schemeClr val="accent1"/>
+                      </a:fgClr>
+                      <a:bgClr>
+                        <a:schemeClr val="bg1"/>
+                      </a:bgClr>
+                    </a:pattFill>
+                  </a:tcPr>
+                </a:tc>
+              </a:tr>
+              <a:tr h="381000">
+                <a:tc>
+                  <a:txBody>
+                    <a:bodyPr/>
+                    <a:p>
+                      <a:pPr>
+                        <a:buNone/>
+                      </a:pPr>
+                      <a:r>
+                        <a:rPr lang="en-US" altLang="zh-CN" sz="2200">
+                          <a:latin typeface="FreeMono" panose="020F0409020205020404" charset="0"/>
+                          <a:ea typeface="FreeMono" panose="020F0409020205020404" charset="0"/>
+                        </a:rPr>
+                        <a:t>MsgId</a:t>
+                      </a:r>
+                      <a:endParaRPr lang="en-US" altLang="zh-CN" sz="2200">
+                        <a:latin typeface="FreeMono" panose="020F0409020205020404" charset="0"/>
+                        <a:ea typeface="FreeMono" panose="020F0409020205020404" charset="0"/>
+                      </a:endParaRPr>
+                    </a:p>
+                  </a:txBody>
+                  <a:tcPr>
+                    <a:pattFill prst="pct5">
+                      <a:fgClr>
+                        <a:schemeClr val="accent1"/>
+                      </a:fgClr>
+                      <a:bgClr>
+                        <a:schemeClr val="bg1"/>
+                      </a:bgClr>
+                    </a:pattFill>
+                  </a:tcPr>
+                </a:tc>
+                <a:tc>
+                  <a:txBody>
+                    <a:bodyPr/>
+                    <a:p>
+                      <a:pPr>
+                        <a:buNone/>
+                      </a:pPr>
+                      <a:r>
+                        <a:rPr lang="zh-CN" altLang="en-US" sz="2200"/>
+                        <a:t>消息</a:t>
+                      </a:r>
+                      <a:r>
+                        <a:rPr lang="en-US" altLang="zh-CN" sz="2200"/>
+                        <a:t>ID</a:t>
+                      </a:r>
+                      <a:r>
+                        <a:rPr lang="zh-CN" altLang="en-US" sz="2200"/>
+                        <a:t>，</a:t>
+                      </a:r>
+                      <a:r>
+                        <a:rPr lang="en-US" altLang="zh-CN" sz="2200"/>
+                        <a:t>64</a:t>
+                      </a:r>
+                      <a:r>
+                        <a:rPr lang="zh-CN" altLang="en-US" sz="2200"/>
+                        <a:t>位整数</a:t>
+                      </a:r>
+                      <a:endParaRPr lang="zh-CN" altLang="en-US" sz="2200"/>
+                    </a:p>
+                  </a:txBody>
+                  <a:tcPr>
+                    <a:pattFill prst="pct5">
+                      <a:fgClr>
+                        <a:schemeClr val="accent1"/>
+                      </a:fgClr>
+                      <a:bgClr>
+                        <a:schemeClr val="bg1"/>
+                      </a:bgClr>
+                    </a:pattFill>
+                  </a:tcPr>
+                </a:tc>
+              </a:tr>
+            </a:tbl>
+          </a:graphicData>
+        </a:graphic>
+      </p:graphicFrame>
+    </p:spTree>
+  </p:cSld>
+  <p:clrMapOvr>
+    <a:masterClrMapping/>
+  </p:clrMapOvr>
+</p:sld>
+</file>
+
+<file path=ppt/slides/slide5.xml><?xml version="1.0" encoding="utf-8"?>
+<p:sld xmlns:a="http://schemas.openxmlformats.org/drawingml/2006/main" xmlns:r="http://schemas.openxmlformats.org/officeDocument/2006/relationships" xmlns:p="http://schemas.openxmlformats.org/presentationml/2006/main">
+  <p:cSld>
+    <p:spTree>
+      <p:nvGrpSpPr>
+        <p:cNvPr id="1" name=""/>
+        <p:cNvGrpSpPr/>
+        <p:nvPr/>
+      </p:nvGrpSpPr>
+      <p:grpSpPr/>
       <p:pic>
         <p:nvPicPr>
-          <p:cNvPr id="3" name="内容占位符 2" descr="消息回复格式"/>
+          <p:cNvPr id="6" name="内容占位符 5" descr="消息回复格式2"/>
           <p:cNvPicPr>
             <a:picLocks noChangeAspect="1"/>
           </p:cNvPicPr>
@@ -3095,8 +4071,8 @@
         </p:blipFill>
         <p:spPr>
           <a:xfrm>
-            <a:off x="1122045" y="2540"/>
-            <a:ext cx="9970135" cy="6828790"/>
+            <a:off x="124460" y="97155"/>
+            <a:ext cx="11943715" cy="6720840"/>
           </a:xfrm>
           <a:prstGeom prst="rect">
             <a:avLst/>
@@ -3111,7 +4087,7 @@
 </p:sld>
 </file>
 
-<file path=ppt/slides/slide4.xml><?xml version="1.0" encoding="utf-8"?>
+<file path=ppt/slides/slide6.xml><?xml version="1.0" encoding="utf-8"?>
 <p:sld xmlns:a="http://schemas.openxmlformats.org/drawingml/2006/main" xmlns:r="http://schemas.openxmlformats.org/officeDocument/2006/relationships" xmlns:p="http://schemas.openxmlformats.org/presentationml/2006/main">
   <p:cSld>
     <p:spTree>

--- a/ch02/原样返回消息.pptx
+++ b/ch02/原样返回消息.pptx
@@ -3528,7 +3528,7 @@
         </p:nvGraphicFramePr>
         <p:xfrm>
           <a:off x="1918335" y="3508375"/>
-          <a:ext cx="8534400" cy="2696210"/>
+          <a:ext cx="8534400" cy="2726690"/>
         </p:xfrm>
         <a:graphic>
           <a:graphicData uri="http://schemas.openxmlformats.org/drawingml/2006/table">
